--- a/Management/Poster.pptx
+++ b/Management/Poster.pptx
@@ -104,6 +104,11 @@
       </a:defRPr>
     </a:lvl9pPr>
   </p:defaultTextStyle>
+  <p:extLst>
+    <p:ext uri="{EFAFB233-063F-42B5-8137-9DF3F51BA10A}">
+      <p15:sldGuideLst xmlns:p15="http://schemas.microsoft.com/office/powerpoint/2012/main"/>
+    </p:ext>
+  </p:extLst>
 </p:presentation>
 </file>
 
@@ -272,7 +277,7 @@
           <a:p>
             <a:fld id="{72EA7947-E287-4738-8C82-07CE4F01EF03}" type="datetime2">
               <a:rPr lang="en-US" smtClean="0"/>
-              <a:t>Tuesday, April 16, 2024</a:t>
+              <a:t>Friday, April 19, 2024</a:t>
             </a:fld>
             <a:endParaRPr lang="en-US" dirty="0"/>
           </a:p>
@@ -1308,7 +1313,7 @@
           <a:p>
             <a:fld id="{EE2EBD84-71F4-4271-8C46-0D47C0A9B12E}" type="datetime2">
               <a:rPr lang="en-US" smtClean="0"/>
-              <a:t>Tuesday, April 16, 2024</a:t>
+              <a:t>Friday, April 19, 2024</a:t>
             </a:fld>
             <a:endParaRPr lang="en-US"/>
           </a:p>
@@ -1519,7 +1524,7 @@
           <a:p>
             <a:fld id="{ABAE0CE1-F450-4107-B2CB-17B18F8A3F4A}" type="datetime2">
               <a:rPr lang="en-US" smtClean="0"/>
-              <a:t>Tuesday, April 16, 2024</a:t>
+              <a:t>Friday, April 19, 2024</a:t>
             </a:fld>
             <a:endParaRPr lang="en-US"/>
           </a:p>
@@ -2184,7 +2189,7 @@
           <a:p>
             <a:fld id="{6FE8C025-CD7A-4966-867E-81CF82B15267}" type="datetime2">
               <a:rPr lang="en-US" smtClean="0"/>
-              <a:t>Tuesday, April 16, 2024</a:t>
+              <a:t>Friday, April 19, 2024</a:t>
             </a:fld>
             <a:endParaRPr lang="en-US"/>
           </a:p>
@@ -2804,7 +2809,7 @@
           <a:p>
             <a:fld id="{FE809929-0719-4517-94D6-FDF7F99E70F6}" type="datetime2">
               <a:rPr lang="en-US" smtClean="0"/>
-              <a:t>Tuesday, April 16, 2024</a:t>
+              <a:t>Friday, April 19, 2024</a:t>
             </a:fld>
             <a:endParaRPr lang="en-US"/>
           </a:p>
@@ -3922,7 +3927,7 @@
           <a:p>
             <a:fld id="{20E95673-5512-4AAA-9AEB-E00C61EC65D5}" type="datetime2">
               <a:rPr lang="en-US" smtClean="0"/>
-              <a:t>Tuesday, April 16, 2024</a:t>
+              <a:t>Friday, April 19, 2024</a:t>
             </a:fld>
             <a:endParaRPr lang="en-US"/>
           </a:p>
@@ -4469,7 +4474,7 @@
           <a:p>
             <a:fld id="{C13138FA-2E87-4873-8BBA-13E447C9A99A}" type="datetime2">
               <a:rPr lang="en-US" smtClean="0"/>
-              <a:t>Tuesday, April 16, 2024</a:t>
+              <a:t>Friday, April 19, 2024</a:t>
             </a:fld>
             <a:endParaRPr lang="en-US"/>
           </a:p>
@@ -4630,7 +4635,7 @@
           <a:p>
             <a:fld id="{D75BB40A-97BD-4BFB-B639-0BFF95FDE8B7}" type="datetime2">
               <a:rPr lang="en-US" smtClean="0"/>
-              <a:t>Tuesday, April 16, 2024</a:t>
+              <a:t>Friday, April 19, 2024</a:t>
             </a:fld>
             <a:endParaRPr lang="en-US"/>
           </a:p>
@@ -5665,7 +5670,7 @@
           <a:p>
             <a:fld id="{9EE9E0E3-ECF6-4CFE-8698-AEFEBCECC3C0}" type="datetime2">
               <a:rPr lang="en-US" smtClean="0"/>
-              <a:t>Tuesday, April 16, 2024</a:t>
+              <a:t>Friday, April 19, 2024</a:t>
             </a:fld>
             <a:endParaRPr lang="en-US"/>
           </a:p>
@@ -6311,7 +6316,7 @@
           <a:p>
             <a:fld id="{251462FC-960E-4740-921F-B36862979F21}" type="datetime2">
               <a:rPr lang="en-US" smtClean="0"/>
-              <a:t>Tuesday, April 16, 2024</a:t>
+              <a:t>Friday, April 19, 2024</a:t>
             </a:fld>
             <a:endParaRPr lang="en-US"/>
           </a:p>
@@ -7075,7 +7080,7 @@
           <a:p>
             <a:fld id="{E50BC9E2-CB44-4C05-9BB5-496C18A241E0}" type="datetime2">
               <a:rPr lang="en-US" smtClean="0"/>
-              <a:t>Tuesday, April 16, 2024</a:t>
+              <a:t>Friday, April 19, 2024</a:t>
             </a:fld>
             <a:endParaRPr lang="en-US"/>
           </a:p>
@@ -7328,7 +7333,7 @@
           <a:p>
             <a:fld id="{246CB39B-5F4C-4A7E-9BE3-AAFD45576D16}" type="datetime2">
               <a:rPr lang="en-US" smtClean="0"/>
-              <a:t>Tuesday, April 16, 2024</a:t>
+              <a:t>Friday, April 19, 2024</a:t>
             </a:fld>
             <a:endParaRPr lang="en-US" dirty="0"/>
           </a:p>
@@ -8446,27 +8451,7 @@
                   </a:schemeClr>
                 </a:solidFill>
               </a:rPr>
-              <a:t>Inverse </a:t>
-            </a:r>
-            <a:r>
-              <a:rPr lang="en-US" sz="3200">
-                <a:solidFill>
-                  <a:schemeClr val="tx1">
-                    <a:alpha val="60000"/>
-                  </a:schemeClr>
-                </a:solidFill>
-              </a:rPr>
-              <a:t>kinematics pre-estimated </a:t>
-            </a:r>
-            <a:r>
-              <a:rPr lang="en-US" sz="3200" dirty="0">
-                <a:solidFill>
-                  <a:schemeClr val="tx1">
-                    <a:alpha val="60000"/>
-                  </a:schemeClr>
-                </a:solidFill>
-              </a:rPr>
-              <a:t>using a multilayer perceptron for faster response times</a:t>
+              <a:t>Inverse kinematics pre-estimated using a multilayer perceptron for faster response times</a:t>
             </a:r>
           </a:p>
           <a:p>
@@ -8682,6 +8667,42 @@
           <a:p>
             <a:pPr algn="ctr"/>
             <a:endParaRPr lang="en-US"/>
+          </a:p>
+        </p:txBody>
+      </p:sp>
+      <p:sp>
+        <p:nvSpPr>
+          <p:cNvPr id="2" name="TextBox 1">
+            <a:extLst>
+              <a:ext uri="{FF2B5EF4-FFF2-40B4-BE49-F238E27FC236}">
+                <a16:creationId xmlns:a16="http://schemas.microsoft.com/office/drawing/2014/main" id="{3E04C3F1-BDE9-8257-B7F2-6B79E3FCF477}"/>
+              </a:ext>
+            </a:extLst>
+          </p:cNvPr>
+          <p:cNvSpPr txBox="1"/>
+          <p:nvPr/>
+        </p:nvSpPr>
+        <p:spPr>
+          <a:xfrm>
+            <a:off x="605118" y="14091220"/>
+            <a:ext cx="4316506" cy="369332"/>
+          </a:xfrm>
+          <a:prstGeom prst="rect">
+            <a:avLst/>
+          </a:prstGeom>
+          <a:noFill/>
+        </p:spPr>
+        <p:txBody>
+          <a:bodyPr wrap="square" rtlCol="0">
+            <a:spAutoFit/>
+          </a:bodyPr>
+          <a:lstStyle/>
+          <a:p>
+            <a:r>
+              <a:rPr lang="en-GB"/>
+              <a:t>Thomas Edmonds – BEng Robotics</a:t>
+            </a:r>
+            <a:endParaRPr lang="en-GB" dirty="0"/>
           </a:p>
         </p:txBody>
       </p:sp>
